--- a/assets/react-mux-presentation.pptx
+++ b/assets/react-mux-presentation.pptx
@@ -173,7 +173,7 @@
   <pc:docChgLst>
     <pc:chgData name="William Nippard" userId="a61697de-0fd4-4177-81af-eba433ca1508" providerId="ADAL" clId="{A0C70218-1A8C-4E49-971B-33E251794B6B}"/>
     <pc:docChg chg="undo custSel addSld delSld modSld">
-      <pc:chgData name="William Nippard" userId="a61697de-0fd4-4177-81af-eba433ca1508" providerId="ADAL" clId="{A0C70218-1A8C-4E49-971B-33E251794B6B}" dt="2024-12-09T21:20:52.895" v="1690" actId="20577"/>
+      <pc:chgData name="William Nippard" userId="a61697de-0fd4-4177-81af-eba433ca1508" providerId="ADAL" clId="{A0C70218-1A8C-4E49-971B-33E251794B6B}" dt="2024-12-10T15:31:56.363" v="1703" actId="20577"/>
       <pc:docMkLst>
         <pc:docMk/>
       </pc:docMkLst>
@@ -367,7 +367,7 @@
         </pc:sldMkLst>
       </pc:sldChg>
       <pc:sldChg chg="addSp modSp add mod">
-        <pc:chgData name="William Nippard" userId="a61697de-0fd4-4177-81af-eba433ca1508" providerId="ADAL" clId="{A0C70218-1A8C-4E49-971B-33E251794B6B}" dt="2024-12-09T21:20:52.895" v="1690" actId="20577"/>
+        <pc:chgData name="William Nippard" userId="a61697de-0fd4-4177-81af-eba433ca1508" providerId="ADAL" clId="{A0C70218-1A8C-4E49-971B-33E251794B6B}" dt="2024-12-10T15:31:56.363" v="1703" actId="20577"/>
         <pc:sldMkLst>
           <pc:docMk/>
           <pc:sldMk cId="48342341" sldId="378"/>
@@ -381,7 +381,7 @@
           </ac:spMkLst>
         </pc:spChg>
         <pc:spChg chg="mod">
-          <ac:chgData name="William Nippard" userId="a61697de-0fd4-4177-81af-eba433ca1508" providerId="ADAL" clId="{A0C70218-1A8C-4E49-971B-33E251794B6B}" dt="2024-12-09T21:20:52.895" v="1690" actId="20577"/>
+          <ac:chgData name="William Nippard" userId="a61697de-0fd4-4177-81af-eba433ca1508" providerId="ADAL" clId="{A0C70218-1A8C-4E49-971B-33E251794B6B}" dt="2024-12-10T15:31:56.363" v="1703" actId="20577"/>
           <ac:spMkLst>
             <pc:docMk/>
             <pc:sldMk cId="48342341" sldId="378"/>
@@ -1183,7 +1183,7 @@
           <a:p>
             <a:fld id="{ED3FA57E-F3C9-4422-B7DF-F56B8E1A49EB}" type="datetime4">
               <a:rPr lang="en-CA" noProof="0" smtClean="0"/>
-              <a:t>December 9, 2024</a:t>
+              <a:t>December 10, 2024</a:t>
             </a:fld>
             <a:endParaRPr lang="en-CA" noProof="0"/>
           </a:p>
@@ -1367,7 +1367,7 @@
           <a:p>
             <a:fld id="{51C1510D-34D1-4B3A-9459-3FC94A26D1AA}" type="datetime4">
               <a:rPr lang="en-CA" smtClean="0"/>
-              <a:t>December 9, 2024</a:t>
+              <a:t>December 10, 2024</a:t>
             </a:fld>
             <a:endParaRPr lang="en-US"/>
           </a:p>
@@ -1510,7 +1510,7 @@
           <a:p>
             <a:fld id="{A37F1619-AA93-4060-BD60-C576B19528E8}" type="datetime4">
               <a:rPr lang="en-CA" smtClean="0"/>
-              <a:t>December 9, 2024</a:t>
+              <a:t>December 10, 2024</a:t>
             </a:fld>
             <a:endParaRPr/>
           </a:p>
@@ -1644,7 +1644,7 @@
           <a:p>
             <a:fld id="{E8B94599-B0CF-427C-90FA-8448CA06BC9E}" type="datetime4">
               <a:rPr lang="en-CA" smtClean="0"/>
-              <a:t>December 9, 2024</a:t>
+              <a:t>December 10, 2024</a:t>
             </a:fld>
             <a:endParaRPr/>
           </a:p>
@@ -2116,7 +2116,7 @@
           <a:p>
             <a:fld id="{685EE892-DA9C-470A-9EFD-1F1333ED0846}" type="datetime4">
               <a:rPr lang="en-CA" smtClean="0"/>
-              <a:t>December 9, 2024</a:t>
+              <a:t>December 10, 2024</a:t>
             </a:fld>
             <a:endParaRPr/>
           </a:p>
@@ -2586,7 +2586,7 @@
           <a:p>
             <a:fld id="{00A4CB11-CC29-45DE-86FE-3B5E9B18E485}" type="datetime4">
               <a:rPr lang="en-CA" smtClean="0"/>
-              <a:t>December 9, 2024</a:t>
+              <a:t>December 10, 2024</a:t>
             </a:fld>
             <a:endParaRPr/>
           </a:p>
@@ -2946,7 +2946,7 @@
           <a:p>
             <a:fld id="{FF132DD1-ED70-4BDF-9A73-CA79C3A1B7D9}" type="datetime4">
               <a:rPr lang="en-CA" smtClean="0"/>
-              <a:t>December 9, 2024</a:t>
+              <a:t>December 10, 2024</a:t>
             </a:fld>
             <a:endParaRPr/>
           </a:p>
@@ -3352,7 +3352,7 @@
           <a:p>
             <a:fld id="{2225BEF7-362C-47A2-99CE-F92BC52601A4}" type="datetime4">
               <a:rPr lang="en-CA" smtClean="0"/>
-              <a:t>December 9, 2024</a:t>
+              <a:t>December 10, 2024</a:t>
             </a:fld>
             <a:endParaRPr/>
           </a:p>
@@ -3824,7 +3824,7 @@
           <a:p>
             <a:fld id="{FF132DD1-ED70-4BDF-9A73-CA79C3A1B7D9}" type="datetime4">
               <a:rPr lang="en-CA" smtClean="0"/>
-              <a:t>December 9, 2024</a:t>
+              <a:t>December 10, 2024</a:t>
             </a:fld>
             <a:endParaRPr/>
           </a:p>
@@ -4362,7 +4362,7 @@
           <a:p>
             <a:fld id="{2225BEF7-362C-47A2-99CE-F92BC52601A4}" type="datetime4">
               <a:rPr lang="en-CA" smtClean="0"/>
-              <a:t>December 9, 2024</a:t>
+              <a:t>December 10, 2024</a:t>
             </a:fld>
             <a:endParaRPr/>
           </a:p>
@@ -4868,7 +4868,7 @@
           <a:p>
             <a:fld id="{1FE66896-6C98-4CA5-8352-966F1C5B8B94}" type="datetime4">
               <a:rPr lang="en-CA" smtClean="0"/>
-              <a:t>December 9, 2024</a:t>
+              <a:t>December 10, 2024</a:t>
             </a:fld>
             <a:endParaRPr/>
           </a:p>
@@ -5074,7 +5074,7 @@
           <a:p>
             <a:fld id="{00AC8BC0-4B7F-45B2-9F9D-C2C3E01E876C}" type="datetime4">
               <a:rPr lang="en-CA" smtClean="0"/>
-              <a:t>December 9, 2024</a:t>
+              <a:t>December 10, 2024</a:t>
             </a:fld>
             <a:endParaRPr/>
           </a:p>
@@ -5194,7 +5194,7 @@
           <a:p>
             <a:fld id="{B2C3B442-1249-4FC3-83EE-3BA61C9623C1}" type="datetime4">
               <a:rPr lang="en-CA" smtClean="0"/>
-              <a:t>December 9, 2024</a:t>
+              <a:t>December 10, 2024</a:t>
             </a:fld>
             <a:endParaRPr lang="en-US"/>
           </a:p>
@@ -5776,7 +5776,7 @@
           <a:p>
             <a:fld id="{61A4BEF5-9A05-4D20-83E5-233E87403DC0}" type="datetime4">
               <a:rPr lang="en-CA" smtClean="0"/>
-              <a:t>December 9, 2024</a:t>
+              <a:t>December 10, 2024</a:t>
             </a:fld>
             <a:endParaRPr/>
           </a:p>
@@ -6537,7 +6537,7 @@
           <a:p>
             <a:fld id="{9C607C0D-E009-46A8-9602-4C9F4E3543F3}" type="datetime4">
               <a:rPr lang="en-CA" smtClean="0"/>
-              <a:t>December 9, 2024</a:t>
+              <a:t>December 10, 2024</a:t>
             </a:fld>
             <a:endParaRPr/>
           </a:p>
@@ -7252,7 +7252,7 @@
           <a:p>
             <a:fld id="{CF2A9D3C-3137-4F15-BA72-B988755605E7}" type="datetime4">
               <a:rPr lang="en-CA" smtClean="0"/>
-              <a:t>December 9, 2024</a:t>
+              <a:t>December 10, 2024</a:t>
             </a:fld>
             <a:endParaRPr/>
           </a:p>
@@ -16121,7 +16121,7 @@
           <a:p>
             <a:fld id="{EE08E108-527B-4B52-98A7-35210C16A695}" type="datetime4">
               <a:rPr lang="en-CA" noProof="0" smtClean="0"/>
-              <a:t>December 9, 2024</a:t>
+              <a:t>December 10, 2024</a:t>
             </a:fld>
             <a:endParaRPr lang="en-CA" noProof="0"/>
           </a:p>
@@ -16431,7 +16431,7 @@
           <a:p>
             <a:fld id="{A2E7EEF7-2239-440B-8A6E-F3B93774E491}" type="datetime4">
               <a:rPr lang="en-CA" smtClean="0"/>
-              <a:t>December 9, 2024</a:t>
+              <a:t>December 10, 2024</a:t>
             </a:fld>
             <a:endParaRPr/>
           </a:p>
@@ -16768,7 +16768,7 @@
           <a:p>
             <a:fld id="{B2679580-1DE4-4AED-B4F0-F01E2D77314B}" type="datetime4">
               <a:rPr lang="en-CA" smtClean="0"/>
-              <a:t>December 9, 2024</a:t>
+              <a:t>December 10, 2024</a:t>
             </a:fld>
             <a:endParaRPr lang="en-US" dirty="0"/>
           </a:p>
@@ -17257,7 +17257,7 @@
           <a:p>
             <a:fld id="{516914B5-AEA6-47C1-80F7-C7FD18A22EA2}" type="datetime4">
               <a:rPr lang="en-CA" smtClean="0"/>
-              <a:t>December 9, 2024</a:t>
+              <a:t>December 10, 2024</a:t>
             </a:fld>
             <a:endParaRPr/>
           </a:p>
@@ -17583,7 +17583,7 @@
           <a:p>
             <a:fld id="{977C927B-EA5B-4D38-B63B-A75272FB7D5F}" type="datetime4">
               <a:rPr lang="en-CA" smtClean="0"/>
-              <a:t>December 9, 2024</a:t>
+              <a:t>December 10, 2024</a:t>
             </a:fld>
             <a:endParaRPr/>
           </a:p>
@@ -17996,7 +17996,7 @@
           <a:p>
             <a:fld id="{664D86A9-B95A-42FA-8B03-2725FDB90EC5}" type="datetime4">
               <a:rPr lang="en-CA" smtClean="0"/>
-              <a:t>December 9, 2024</a:t>
+              <a:t>December 10, 2024</a:t>
             </a:fld>
             <a:endParaRPr lang="en-US"/>
           </a:p>
@@ -18201,7 +18201,7 @@
           <a:p>
             <a:fld id="{51C1510D-34D1-4B3A-9459-3FC94A26D1AA}" type="datetime4">
               <a:rPr lang="en-CA" smtClean="0"/>
-              <a:t>December 9, 2024</a:t>
+              <a:t>December 10, 2024</a:t>
             </a:fld>
             <a:endParaRPr lang="en-US"/>
           </a:p>
@@ -18497,7 +18497,7 @@
           <a:p>
             <a:fld id="{B2679580-1DE4-4AED-B4F0-F01E2D77314B}" type="datetime4">
               <a:rPr lang="en-CA" smtClean="0"/>
-              <a:t>December 9, 2024</a:t>
+              <a:t>December 10, 2024</a:t>
             </a:fld>
             <a:endParaRPr lang="en-US" dirty="0"/>
           </a:p>
@@ -19185,7 +19185,7 @@
             <a:fld id="{2B430F04-01EC-4DC6-BB3B-B7B8381DB434}" type="datetime4">
               <a:rPr lang="en-CA" smtClean="0"/>
               <a:pPr/>
-              <a:t>December 9, 2024</a:t>
+              <a:t>December 10, 2024</a:t>
             </a:fld>
             <a:endParaRPr lang="en-CA" dirty="0"/>
           </a:p>
@@ -19832,7 +19832,7 @@
             <a:pPr lvl="1"/>
             <a:r>
               <a:rPr lang="en-CA" dirty="0"/>
-              <a:t>While quite new to JH, not new to Manulife!</a:t>
+              <a:t>While relatively new to JH, not new to Manulife..</a:t>
             </a:r>
           </a:p>
         </p:txBody>
@@ -21713,15 +21713,6 @@
 </file>
 
 <file path=customXml/item1.xml><?xml version="1.0" encoding="utf-8"?>
-<?mso-contentType ?>
-<FormTemplates xmlns="http://schemas.microsoft.com/sharepoint/v3/contenttype/forms">
-  <Display>DocumentLibraryForm</Display>
-  <Edit>DocumentLibraryForm</Edit>
-  <New>DocumentLibraryForm</New>
-</FormTemplates>
-</file>
-
-<file path=customXml/item2.xml><?xml version="1.0" encoding="utf-8"?>
 <p:properties xmlns:p="http://schemas.microsoft.com/office/2006/metadata/properties" xmlns:xsi="http://www.w3.org/2001/XMLSchema-instance" xmlns:pc="http://schemas.microsoft.com/office/infopath/2007/PartnerControls">
   <documentManagement>
     <lcf76f155ced4ddcb4097134ff3c332f xmlns="78784409-5210-407c-99cf-f460d2e31a5e">
@@ -21730,6 +21721,15 @@
     <TaxCatchAll xmlns="c12886e0-e552-4999-964a-a6c2f4ccb2b1" xsi:nil="true"/>
   </documentManagement>
 </p:properties>
+</file>
+
+<file path=customXml/item2.xml><?xml version="1.0" encoding="utf-8"?>
+<?mso-contentType ?>
+<FormTemplates xmlns="http://schemas.microsoft.com/sharepoint/v3/contenttype/forms">
+  <Display>DocumentLibraryForm</Display>
+  <Edit>DocumentLibraryForm</Edit>
+  <New>DocumentLibraryForm</New>
+</FormTemplates>
 </file>
 
 <file path=customXml/item3.xml><?xml version="1.0" encoding="utf-8"?>
@@ -21928,26 +21928,26 @@
 </file>
 
 <file path=customXml/itemProps1.xml><?xml version="1.0" encoding="utf-8"?>
-<ds:datastoreItem xmlns:ds="http://schemas.openxmlformats.org/officeDocument/2006/customXml" ds:itemID="{722D7DFC-BD3E-4F71-9F3C-72EC21CD9621}">
+<ds:datastoreItem xmlns:ds="http://schemas.openxmlformats.org/officeDocument/2006/customXml" ds:itemID="{1EF9665A-47E7-4FD1-A6F1-31F0E653B477}">
   <ds:schemaRefs>
-    <ds:schemaRef ds:uri="http://schemas.microsoft.com/sharepoint/v3/contenttype/forms"/>
+    <ds:schemaRef ds:uri="http://schemas.microsoft.com/office/2006/metadata/properties"/>
+    <ds:schemaRef ds:uri="http://schemas.microsoft.com/office/2006/documentManagement/types"/>
+    <ds:schemaRef ds:uri="http://purl.org/dc/terms/"/>
+    <ds:schemaRef ds:uri="http://schemas.openxmlformats.org/package/2006/metadata/core-properties"/>
+    <ds:schemaRef ds:uri="http://schemas.microsoft.com/office/infopath/2007/PartnerControls"/>
+    <ds:schemaRef ds:uri="78784409-5210-407c-99cf-f460d2e31a5e"/>
+    <ds:schemaRef ds:uri="http://purl.org/dc/dcmitype/"/>
+    <ds:schemaRef ds:uri="http://www.w3.org/XML/1998/namespace"/>
+    <ds:schemaRef ds:uri="c12886e0-e552-4999-964a-a6c2f4ccb2b1"/>
+    <ds:schemaRef ds:uri="http://purl.org/dc/elements/1.1/"/>
   </ds:schemaRefs>
 </ds:datastoreItem>
 </file>
 
 <file path=customXml/itemProps2.xml><?xml version="1.0" encoding="utf-8"?>
-<ds:datastoreItem xmlns:ds="http://schemas.openxmlformats.org/officeDocument/2006/customXml" ds:itemID="{1EF9665A-47E7-4FD1-A6F1-31F0E653B477}">
+<ds:datastoreItem xmlns:ds="http://schemas.openxmlformats.org/officeDocument/2006/customXml" ds:itemID="{722D7DFC-BD3E-4F71-9F3C-72EC21CD9621}">
   <ds:schemaRefs>
-    <ds:schemaRef ds:uri="http://purl.org/dc/terms/"/>
-    <ds:schemaRef ds:uri="http://schemas.microsoft.com/office/2006/documentManagement/types"/>
-    <ds:schemaRef ds:uri="http://www.w3.org/XML/1998/namespace"/>
-    <ds:schemaRef ds:uri="http://schemas.microsoft.com/office/2006/metadata/properties"/>
-    <ds:schemaRef ds:uri="78784409-5210-407c-99cf-f460d2e31a5e"/>
-    <ds:schemaRef ds:uri="http://purl.org/dc/dcmitype/"/>
-    <ds:schemaRef ds:uri="http://purl.org/dc/elements/1.1/"/>
-    <ds:schemaRef ds:uri="http://schemas.microsoft.com/office/infopath/2007/PartnerControls"/>
-    <ds:schemaRef ds:uri="http://schemas.openxmlformats.org/package/2006/metadata/core-properties"/>
-    <ds:schemaRef ds:uri="c12886e0-e552-4999-964a-a6c2f4ccb2b1"/>
+    <ds:schemaRef ds:uri="http://schemas.microsoft.com/sharepoint/v3/contenttype/forms"/>
   </ds:schemaRefs>
 </ds:datastoreItem>
 </file>
